--- a/린캔버스.pptx
+++ b/린캔버스.pptx
@@ -3376,9 +3376,9 @@
         <p:grpSpPr>
           <a:xfrm>
             <a:off x="87761" y="468356"/>
-            <a:ext cx="12016477" cy="5921288"/>
+            <a:ext cx="12016477" cy="5885140"/>
             <a:chOff x="43344" y="277585"/>
-            <a:chExt cx="12016477" cy="5921288"/>
+            <a:chExt cx="12016477" cy="5885140"/>
           </a:xfrm>
         </p:grpSpPr>
         <p:grpSp>
@@ -3396,9 +3396,9 @@
           <p:grpSpPr>
             <a:xfrm>
               <a:off x="43344" y="277585"/>
-              <a:ext cx="12016477" cy="5921288"/>
+              <a:ext cx="12016477" cy="5885140"/>
               <a:chOff x="84849" y="342900"/>
-              <a:chExt cx="12016477" cy="5921288"/>
+              <a:chExt cx="12016477" cy="5885140"/>
             </a:xfrm>
           </p:grpSpPr>
           <p:sp>
@@ -4298,7 +4298,7 @@
             <p:spPr>
               <a:xfrm>
                 <a:off x="95250" y="1235452"/>
-                <a:ext cx="2400300" cy="2260683"/>
+                <a:ext cx="2400300" cy="1522020"/>
               </a:xfrm>
               <a:prstGeom prst="rect">
                 <a:avLst/>
@@ -4322,7 +4322,7 @@
                 </a:r>
                 <a:r>
                   <a:rPr lang="ko-KR" altLang="en-US" sz="1600" dirty="0"/>
-                  <a:t>요리에 부적절한 환경</a:t>
+                  <a:t>식재료 구입에 불편</a:t>
                 </a:r>
                 <a:endParaRPr lang="en-US" altLang="ko-KR" sz="1600" dirty="0"/>
               </a:p>
@@ -4338,7 +4338,7 @@
                 </a:r>
                 <a:r>
                   <a:rPr lang="ko-KR" altLang="en-US" sz="1600" dirty="0"/>
-                  <a:t>식재료 구입에 불편</a:t>
+                  <a:t>조리법 조사에 번거로움</a:t>
                 </a:r>
                 <a:endParaRPr lang="en-US" altLang="ko-KR" sz="1600" dirty="0"/>
               </a:p>
@@ -4354,28 +4354,8 @@
                 </a:r>
                 <a:r>
                   <a:rPr lang="ko-KR" altLang="en-US" sz="1600" dirty="0"/>
-                  <a:t>요리 조리법 조사에 번거로움</a:t>
+                  <a:t>요리에 대한 귀찮음</a:t>
                 </a:r>
-                <a:endParaRPr lang="en-US" altLang="ko-KR" sz="1600" dirty="0"/>
-              </a:p>
-              <a:p>
-                <a:pPr algn="just">
-                  <a:lnSpc>
-                    <a:spcPct val="150000"/>
-                  </a:lnSpc>
-                </a:pPr>
-                <a:r>
-                  <a:rPr lang="en-US" altLang="ko-KR" sz="1600" dirty="0"/>
-                  <a:t>4.</a:t>
-                </a:r>
-              </a:p>
-              <a:p>
-                <a:pPr marL="342900" indent="-342900" algn="just">
-                  <a:lnSpc>
-                    <a:spcPct val="150000"/>
-                  </a:lnSpc>
-                  <a:buAutoNum type="arabicPeriod"/>
-                </a:pPr>
                 <a:endParaRPr lang="en-US" altLang="ko-KR" sz="1600" dirty="0"/>
               </a:p>
             </p:txBody>
@@ -4395,7 +4375,7 @@
             <p:spPr>
               <a:xfrm>
                 <a:off x="2534005" y="1079804"/>
-                <a:ext cx="2400300" cy="1891352"/>
+                <a:ext cx="2400300" cy="414024"/>
               </a:xfrm>
               <a:prstGeom prst="rect">
                 <a:avLst/>
@@ -4417,42 +4397,7 @@
                   <a:rPr lang="en-US" altLang="ko-KR" sz="1600" dirty="0"/>
                   <a:t>-</a:t>
                 </a:r>
-                <a:r>
-                  <a:rPr lang="ko-KR" altLang="en-US" sz="1600" dirty="0"/>
-                  <a:t>하드웨어와 소프트웨어의 퓨전</a:t>
-                </a:r>
-                <a:endParaRPr lang="en-US" altLang="ko-KR" sz="1600" dirty="0"/>
-              </a:p>
-              <a:p>
-                <a:pPr algn="just">
-                  <a:lnSpc>
-                    <a:spcPct val="150000"/>
-                  </a:lnSpc>
-                </a:pPr>
-                <a:r>
-                  <a:rPr lang="en-US" altLang="ko-KR" sz="1600" dirty="0"/>
-                  <a:t>-</a:t>
-                </a:r>
-                <a:r>
-                  <a:rPr lang="ko-KR" altLang="en-US" sz="1600" dirty="0"/>
-                  <a:t>해리포터 컨셉의 인공지능 스피커 제작</a:t>
-                </a:r>
-                <a:endParaRPr lang="en-US" altLang="ko-KR" sz="1600" dirty="0"/>
-              </a:p>
-              <a:p>
-                <a:pPr algn="just">
-                  <a:lnSpc>
-                    <a:spcPct val="150000"/>
-                  </a:lnSpc>
-                </a:pPr>
-                <a:r>
-                  <a:rPr lang="en-US" altLang="ko-KR" sz="1600" dirty="0"/>
-                  <a:t>-</a:t>
-                </a:r>
-                <a:r>
-                  <a:rPr lang="ko-KR" altLang="en-US" sz="1600" dirty="0"/>
-                  <a:t>다양한 퍼포먼스 가능</a:t>
-                </a:r>
+                <a:endParaRPr lang="ko-KR" altLang="en-US" sz="1600" dirty="0"/>
               </a:p>
             </p:txBody>
           </p:sp>
@@ -4471,7 +4416,7 @@
             <p:spPr>
               <a:xfrm>
                 <a:off x="2497838" y="3373396"/>
-                <a:ext cx="2400300" cy="1152688"/>
+                <a:ext cx="2400300" cy="414024"/>
               </a:xfrm>
               <a:prstGeom prst="rect">
                 <a:avLst/>
@@ -4493,42 +4438,6 @@
                   <a:rPr lang="en-US" altLang="ko-KR" sz="1600" dirty="0"/>
                   <a:t>-</a:t>
                 </a:r>
-                <a:r>
-                  <a:rPr lang="ko-KR" altLang="en-US" sz="1600" spc="-150" dirty="0"/>
-                  <a:t>흥미 증가로 인한 구매율</a:t>
-                </a:r>
-                <a:endParaRPr lang="en-US" altLang="ko-KR" sz="1600" spc="-150" dirty="0"/>
-              </a:p>
-              <a:p>
-                <a:pPr algn="just">
-                  <a:lnSpc>
-                    <a:spcPct val="150000"/>
-                  </a:lnSpc>
-                </a:pPr>
-                <a:r>
-                  <a:rPr lang="en-US" altLang="ko-KR" sz="1600" dirty="0"/>
-                  <a:t>-</a:t>
-                </a:r>
-                <a:r>
-                  <a:rPr lang="ko-KR" altLang="en-US" sz="1600" dirty="0"/>
-                  <a:t>구성에 대한 판매</a:t>
-                </a:r>
-                <a:endParaRPr lang="en-US" altLang="ko-KR" sz="1600" dirty="0"/>
-              </a:p>
-              <a:p>
-                <a:pPr algn="just">
-                  <a:lnSpc>
-                    <a:spcPct val="150000"/>
-                  </a:lnSpc>
-                </a:pPr>
-                <a:r>
-                  <a:rPr lang="en-US" altLang="ko-KR" sz="1600" dirty="0"/>
-                  <a:t>-</a:t>
-                </a:r>
-                <a:r>
-                  <a:rPr lang="ko-KR" altLang="en-US" sz="1600" spc="-150" dirty="0"/>
-                  <a:t>사용자에 대한 사용 빈도</a:t>
-                </a:r>
                 <a:endParaRPr lang="en-US" altLang="ko-KR" sz="1600" spc="-150" dirty="0"/>
               </a:p>
             </p:txBody>
@@ -4548,7 +4457,7 @@
             <p:spPr>
               <a:xfrm>
                 <a:off x="4901051" y="1175152"/>
-                <a:ext cx="2400300" cy="1152688"/>
+                <a:ext cx="2400300" cy="414024"/>
               </a:xfrm>
               <a:prstGeom prst="rect">
                 <a:avLst/>
@@ -4570,47 +4479,6 @@
                   <a:rPr lang="en-US" altLang="ko-KR" sz="1600" dirty="0"/>
                   <a:t>-</a:t>
                 </a:r>
-                <a:r>
-                  <a:rPr lang="ko-KR" altLang="en-US" sz="1600" spc="-150" dirty="0"/>
-                  <a:t>퍼포먼스로 호기심 자극</a:t>
-                </a:r>
-                <a:r>
-                  <a:rPr lang="ko-KR" altLang="en-US" sz="1600" dirty="0"/>
-                  <a:t> </a:t>
-                </a:r>
-                <a:endParaRPr lang="en-US" altLang="ko-KR" sz="1600" dirty="0"/>
-              </a:p>
-              <a:p>
-                <a:pPr algn="just">
-                  <a:lnSpc>
-                    <a:spcPct val="150000"/>
-                  </a:lnSpc>
-                </a:pPr>
-                <a:r>
-                  <a:rPr lang="en-US" altLang="ko-KR" sz="1600" dirty="0"/>
-                  <a:t>-</a:t>
-                </a:r>
-                <a:r>
-                  <a:rPr lang="ko-KR" altLang="en-US" sz="1600" dirty="0"/>
-                  <a:t>퍼포먼스로 동심 자극</a:t>
-                </a:r>
-                <a:endParaRPr lang="en-US" altLang="ko-KR" sz="1600" dirty="0"/>
-              </a:p>
-              <a:p>
-                <a:pPr algn="just">
-                  <a:lnSpc>
-                    <a:spcPct val="150000"/>
-                  </a:lnSpc>
-                </a:pPr>
-                <a:r>
-                  <a:rPr lang="en-US" altLang="ko-KR" sz="1600" dirty="0"/>
-                  <a:t>-</a:t>
-                </a:r>
-                <a:r>
-                  <a:rPr lang="ko-KR" altLang="en-US" sz="1600" dirty="0"/>
-                  <a:t>키트 완성의 성취감</a:t>
-                </a:r>
-                <a:endParaRPr lang="en-US" altLang="ko-KR" sz="1600" dirty="0"/>
               </a:p>
             </p:txBody>
           </p:sp>
@@ -4629,7 +4497,7 @@
             <p:spPr>
               <a:xfrm>
                 <a:off x="7259641" y="2718329"/>
-                <a:ext cx="2400300" cy="2260683"/>
+                <a:ext cx="2400300" cy="414024"/>
               </a:xfrm>
               <a:prstGeom prst="rect">
                 <a:avLst/>
@@ -4651,115 +4519,6 @@
                   <a:rPr lang="en-US" altLang="ko-KR" sz="1600" dirty="0"/>
                   <a:t>-</a:t>
                 </a:r>
-                <a:r>
-                  <a:rPr lang="ko-KR" altLang="en-US" sz="1600" dirty="0" err="1"/>
-                  <a:t>크라우드</a:t>
-                </a:r>
-                <a:r>
-                  <a:rPr lang="ko-KR" altLang="en-US" sz="1600" dirty="0"/>
-                  <a:t> </a:t>
-                </a:r>
-                <a:r>
-                  <a:rPr lang="ko-KR" altLang="en-US" sz="1600" dirty="0" err="1"/>
-                  <a:t>펀딩</a:t>
-                </a:r>
-                <a:endParaRPr lang="en-US" altLang="ko-KR" sz="1600" dirty="0"/>
-              </a:p>
-              <a:p>
-                <a:pPr algn="just">
-                  <a:lnSpc>
-                    <a:spcPct val="150000"/>
-                  </a:lnSpc>
-                </a:pPr>
-                <a:r>
-                  <a:rPr lang="en-US" altLang="ko-KR" sz="1600" dirty="0"/>
-                  <a:t>-</a:t>
-                </a:r>
-                <a:r>
-                  <a:rPr lang="ko-KR" altLang="en-US" sz="1600" dirty="0" err="1"/>
-                  <a:t>굿즈</a:t>
-                </a:r>
-                <a:r>
-                  <a:rPr lang="ko-KR" altLang="en-US" sz="1600" dirty="0"/>
-                  <a:t> </a:t>
-                </a:r>
-                <a:r>
-                  <a:rPr lang="ko-KR" altLang="en-US" sz="1600" dirty="0" err="1"/>
-                  <a:t>판매샵</a:t>
-                </a:r>
-                <a:endParaRPr lang="en-US" altLang="ko-KR" sz="1600" dirty="0"/>
-              </a:p>
-              <a:p>
-                <a:pPr algn="just">
-                  <a:lnSpc>
-                    <a:spcPct val="150000"/>
-                  </a:lnSpc>
-                </a:pPr>
-                <a:r>
-                  <a:rPr lang="en-US" altLang="ko-KR" sz="1600" dirty="0"/>
-                  <a:t>-</a:t>
-                </a:r>
-                <a:r>
-                  <a:rPr lang="ko-KR" altLang="en-US" sz="1600" dirty="0"/>
-                  <a:t>메이커 축제</a:t>
-                </a:r>
-                <a:endParaRPr lang="en-US" altLang="ko-KR" sz="1600" dirty="0"/>
-              </a:p>
-              <a:p>
-                <a:pPr algn="just">
-                  <a:lnSpc>
-                    <a:spcPct val="150000"/>
-                  </a:lnSpc>
-                </a:pPr>
-                <a:r>
-                  <a:rPr lang="en-US" altLang="ko-KR" sz="1600" dirty="0"/>
-                  <a:t>-</a:t>
-                </a:r>
-                <a:r>
-                  <a:rPr lang="ko-KR" altLang="en-US" sz="1600" dirty="0"/>
-                  <a:t>문화센터 및 대형마트</a:t>
-                </a:r>
-                <a:endParaRPr lang="en-US" altLang="ko-KR" sz="1600" dirty="0"/>
-              </a:p>
-              <a:p>
-                <a:pPr algn="just">
-                  <a:lnSpc>
-                    <a:spcPct val="150000"/>
-                  </a:lnSpc>
-                </a:pPr>
-                <a:r>
-                  <a:rPr lang="en-US" altLang="ko-KR" sz="1600" dirty="0"/>
-                  <a:t>-SNS, </a:t>
-                </a:r>
-                <a:r>
-                  <a:rPr lang="ko-KR" altLang="en-US" sz="1600" dirty="0"/>
-                  <a:t>카카오 </a:t>
-                </a:r>
-                <a:r>
-                  <a:rPr lang="ko-KR" altLang="en-US" sz="1600" dirty="0" err="1"/>
-                  <a:t>메이커스</a:t>
-                </a:r>
-                <a:endParaRPr lang="en-US" altLang="ko-KR" sz="1600" dirty="0"/>
-              </a:p>
-              <a:p>
-                <a:pPr algn="just">
-                  <a:lnSpc>
-                    <a:spcPct val="150000"/>
-                  </a:lnSpc>
-                </a:pPr>
-                <a:r>
-                  <a:rPr lang="en-US" altLang="ko-KR" sz="1600" dirty="0"/>
-                  <a:t>-</a:t>
-                </a:r>
-                <a:r>
-                  <a:rPr lang="ko-KR" altLang="en-US" sz="1600" dirty="0"/>
-                  <a:t>각종 메이커 </a:t>
-                </a:r>
-                <a:r>
-                  <a:rPr lang="ko-KR" altLang="en-US" sz="1600" dirty="0" err="1"/>
-                  <a:t>키트샵</a:t>
-                </a:r>
-                <a:endParaRPr lang="en-US" altLang="ko-KR" sz="1600" dirty="0"/>
               </a:p>
             </p:txBody>
           </p:sp>
@@ -4815,7 +4574,7 @@
             <p:spPr>
               <a:xfrm>
                 <a:off x="9701026" y="1169268"/>
-                <a:ext cx="2400300" cy="2630015"/>
+                <a:ext cx="2400300" cy="1522020"/>
               </a:xfrm>
               <a:prstGeom prst="rect">
                 <a:avLst/>
@@ -4839,7 +4598,7 @@
                 </a:r>
                 <a:r>
                   <a:rPr lang="ko-KR" altLang="en-US" sz="1600" dirty="0"/>
-                  <a:t>메이커 교육 대상자</a:t>
+                  <a:t>휴대폰 이용자</a:t>
                 </a:r>
                 <a:endParaRPr lang="en-US" altLang="ko-KR" sz="1600" dirty="0"/>
               </a:p>
@@ -4855,7 +4614,7 @@
                 </a:r>
                 <a:r>
                   <a:rPr lang="ko-KR" altLang="en-US" sz="1600" dirty="0"/>
-                  <a:t>메이커 교육자</a:t>
+                  <a:t>요리에 관심있는 사람</a:t>
                 </a:r>
                 <a:endParaRPr lang="en-US" altLang="ko-KR" sz="1600" dirty="0"/>
               </a:p>
@@ -4871,39 +4630,7 @@
                 </a:r>
                 <a:r>
                   <a:rPr lang="ko-KR" altLang="en-US" sz="1600" dirty="0"/>
-                  <a:t>해리포터의 팬 층</a:t>
-                </a:r>
-                <a:endParaRPr lang="en-US" altLang="ko-KR" sz="1600" dirty="0"/>
-              </a:p>
-              <a:p>
-                <a:pPr algn="just">
-                  <a:lnSpc>
-                    <a:spcPct val="150000"/>
-                  </a:lnSpc>
-                </a:pPr>
-                <a:r>
-                  <a:rPr lang="en-US" altLang="ko-KR" sz="1600" spc="-150" dirty="0"/>
-                  <a:t>-</a:t>
-                </a:r>
-                <a:r>
-                  <a:rPr lang="ko-KR" altLang="en-US" sz="1600" spc="-150" dirty="0"/>
-                  <a:t>인공지능 스피커 구매자</a:t>
-                </a:r>
-                <a:endParaRPr lang="en-US" altLang="ko-KR" sz="1600" spc="-150" dirty="0"/>
-              </a:p>
-              <a:p>
-                <a:pPr algn="just">
-                  <a:lnSpc>
-                    <a:spcPct val="150000"/>
-                  </a:lnSpc>
-                </a:pPr>
-                <a:r>
-                  <a:rPr lang="en-US" altLang="ko-KR" sz="1600" dirty="0"/>
-                  <a:t>-</a:t>
-                </a:r>
-                <a:r>
-                  <a:rPr lang="ko-KR" altLang="en-US" sz="1600" dirty="0"/>
-                  <a:t>방과 후 수업 교육자</a:t>
+                  <a:t>전업 주부</a:t>
                 </a:r>
                 <a:endParaRPr lang="en-US" altLang="ko-KR" sz="1600" dirty="0"/>
               </a:p>
@@ -4919,31 +4646,15 @@
                 </a:r>
                 <a:r>
                   <a:rPr lang="ko-KR" altLang="en-US" sz="1600" dirty="0"/>
-                  <a:t>제품 및 키트 체험자</a:t>
+                  <a:t>학생</a:t>
                 </a:r>
-                <a:endParaRPr lang="en-US" altLang="ko-KR" sz="1600" dirty="0"/>
-              </a:p>
-              <a:p>
-                <a:pPr algn="just">
-                  <a:lnSpc>
-                    <a:spcPct val="150000"/>
-                  </a:lnSpc>
-                </a:pPr>
                 <a:r>
                   <a:rPr lang="en-US" altLang="ko-KR" sz="1600" dirty="0"/>
-                  <a:t>-</a:t>
-                </a:r>
-                <a:r>
-                  <a:rPr lang="ko-KR" altLang="en-US" sz="1600" dirty="0" err="1"/>
-                  <a:t>굿즈</a:t>
+                  <a:t>, </a:t>
                 </a:r>
                 <a:r>
                   <a:rPr lang="ko-KR" altLang="en-US" sz="1600" dirty="0"/>
-                  <a:t> </a:t>
-                </a:r>
-                <a:r>
-                  <a:rPr lang="ko-KR" altLang="en-US" sz="1600" dirty="0" err="1"/>
-                  <a:t>판매샵</a:t>
+                  <a:t>자취생</a:t>
                 </a:r>
                 <a:endParaRPr lang="en-US" altLang="ko-KR" sz="1600" dirty="0"/>
               </a:p>
@@ -4964,154 +4675,7 @@
             <p:spPr>
               <a:xfrm>
                 <a:off x="97540" y="5111500"/>
-                <a:ext cx="6000748" cy="1152688"/>
-              </a:xfrm>
-              <a:prstGeom prst="rect">
-                <a:avLst/>
-              </a:prstGeom>
-              <a:noFill/>
-            </p:spPr>
-            <p:txBody>
-              <a:bodyPr wrap="square" rtlCol="0">
-                <a:spAutoFit/>
-              </a:bodyPr>
-              <a:lstStyle/>
-              <a:p>
-                <a:pPr algn="just">
-                  <a:lnSpc>
-                    <a:spcPct val="150000"/>
-                  </a:lnSpc>
-                </a:pPr>
-                <a:r>
-                  <a:rPr lang="ko-KR" altLang="en-US" sz="1600" dirty="0"/>
-                  <a:t>재료비</a:t>
-                </a:r>
-                <a:r>
-                  <a:rPr lang="en-US" altLang="ko-KR" sz="1600" dirty="0"/>
-                  <a:t>, </a:t>
-                </a:r>
-                <a:r>
-                  <a:rPr lang="ko-KR" altLang="en-US" sz="1600" dirty="0"/>
-                  <a:t>마케팅</a:t>
-                </a:r>
-                <a:r>
-                  <a:rPr lang="en-US" altLang="ko-KR" sz="1600" dirty="0"/>
-                  <a:t>(</a:t>
-                </a:r>
-                <a:r>
-                  <a:rPr lang="ko-KR" altLang="en-US" sz="1600" dirty="0"/>
-                  <a:t>인건비</a:t>
-                </a:r>
-                <a:r>
-                  <a:rPr lang="en-US" altLang="ko-KR" sz="1600" dirty="0"/>
-                  <a:t>, </a:t>
-                </a:r>
-                <a:r>
-                  <a:rPr lang="ko-KR" altLang="en-US" sz="1600" dirty="0"/>
-                  <a:t>경비</a:t>
-                </a:r>
-                <a:r>
-                  <a:rPr lang="en-US" altLang="ko-KR" sz="1600" dirty="0"/>
-                  <a:t>), </a:t>
-                </a:r>
-                <a:r>
-                  <a:rPr lang="ko-KR" altLang="en-US" sz="1600" dirty="0"/>
-                  <a:t>개발 연구비</a:t>
-                </a:r>
-                <a:r>
-                  <a:rPr lang="en-US" altLang="ko-KR" sz="1600" dirty="0"/>
-                  <a:t>, </a:t>
-                </a:r>
-                <a:r>
-                  <a:rPr lang="ko-KR" altLang="en-US" sz="1600" dirty="0"/>
-                  <a:t>웹 등록비 및 유지비</a:t>
-                </a:r>
-                <a:r>
-                  <a:rPr lang="en-US" altLang="ko-KR" sz="1600" dirty="0"/>
-                  <a:t>, </a:t>
-                </a:r>
-                <a:r>
-                  <a:rPr lang="ko-KR" altLang="en-US" sz="1600" dirty="0"/>
-                  <a:t>택배 및 포장비</a:t>
-                </a:r>
-                <a:r>
-                  <a:rPr lang="en-US" altLang="ko-KR" sz="1600" dirty="0"/>
-                  <a:t>(</a:t>
-                </a:r>
-                <a:r>
-                  <a:rPr lang="ko-KR" altLang="en-US" sz="1600" dirty="0"/>
-                  <a:t>인건비</a:t>
-                </a:r>
-                <a:r>
-                  <a:rPr lang="en-US" altLang="ko-KR" sz="1600" dirty="0"/>
-                  <a:t>,</a:t>
-                </a:r>
-                <a:r>
-                  <a:rPr lang="ko-KR" altLang="en-US" sz="1600" dirty="0"/>
-                  <a:t> 재료비</a:t>
-                </a:r>
-                <a:r>
-                  <a:rPr lang="en-US" altLang="ko-KR" sz="1600" dirty="0"/>
-                  <a:t>) </a:t>
-                </a:r>
-              </a:p>
-              <a:p>
-                <a:pPr algn="just">
-                  <a:lnSpc>
-                    <a:spcPct val="150000"/>
-                  </a:lnSpc>
-                </a:pPr>
-                <a:r>
-                  <a:rPr lang="ko-KR" altLang="en-US" sz="1600" dirty="0"/>
-                  <a:t>해리포터 </a:t>
-                </a:r>
-                <a:r>
-                  <a:rPr lang="ko-KR" altLang="en-US" sz="1600" dirty="0" err="1"/>
-                  <a:t>굿즈샵</a:t>
-                </a:r>
-                <a:r>
-                  <a:rPr lang="ko-KR" altLang="en-US" sz="1600" dirty="0"/>
-                  <a:t> 및 대형마트</a:t>
-                </a:r>
-                <a:r>
-                  <a:rPr lang="en-US" altLang="ko-KR" sz="1600" dirty="0"/>
-                  <a:t>(</a:t>
-                </a:r>
-                <a:r>
-                  <a:rPr lang="ko-KR" altLang="en-US" sz="1600" dirty="0" err="1"/>
-                  <a:t>입점비</a:t>
-                </a:r>
-                <a:r>
-                  <a:rPr lang="en-US" altLang="ko-KR" sz="1600" dirty="0"/>
-                  <a:t>, </a:t>
-                </a:r>
-                <a:r>
-                  <a:rPr lang="ko-KR" altLang="en-US" sz="1600" dirty="0"/>
-                  <a:t>유지비</a:t>
-                </a:r>
-                <a:r>
-                  <a:rPr lang="en-US" altLang="ko-KR" sz="1600" dirty="0"/>
-                  <a:t>)</a:t>
-                </a:r>
-              </a:p>
-            </p:txBody>
-          </p:sp>
-          <p:sp>
-            <p:nvSpPr>
-              <p:cNvPr id="41" name="TextBox 40">
-                <a:extLst>
-                  <a:ext uri="{FF2B5EF4-FFF2-40B4-BE49-F238E27FC236}">
-                    <a16:creationId xmlns:a16="http://schemas.microsoft.com/office/drawing/2014/main" id="{E20DBBBC-6D7D-430E-800E-17731188E2DA}"/>
-                  </a:ext>
-                </a:extLst>
-              </p:cNvPr>
-              <p:cNvSpPr txBox="1"/>
-              <p:nvPr/>
-            </p:nvSpPr>
-            <p:spPr>
-              <a:xfrm>
-                <a:off x="6093275" y="5103500"/>
-                <a:ext cx="6000748" cy="783356"/>
+                <a:ext cx="6000748" cy="414024"/>
               </a:xfrm>
               <a:prstGeom prst="rect">
                 <a:avLst/>
@@ -5133,12 +4697,36 @@
                   <a:rPr lang="en-US" altLang="ko-KR" sz="1600" dirty="0"/>
                   <a:t>-</a:t>
                 </a:r>
-                <a:r>
-                  <a:rPr lang="ko-KR" altLang="en-US" sz="1600" dirty="0"/>
-                  <a:t>완제품 판매 시 생기는 순이익</a:t>
-                </a:r>
-                <a:endParaRPr lang="en-US" altLang="ko-KR" sz="1600" dirty="0"/>
               </a:p>
+            </p:txBody>
+          </p:sp>
+          <p:sp>
+            <p:nvSpPr>
+              <p:cNvPr id="41" name="TextBox 40">
+                <a:extLst>
+                  <a:ext uri="{FF2B5EF4-FFF2-40B4-BE49-F238E27FC236}">
+                    <a16:creationId xmlns:a16="http://schemas.microsoft.com/office/drawing/2014/main" id="{E20DBBBC-6D7D-430E-800E-17731188E2DA}"/>
+                  </a:ext>
+                </a:extLst>
+              </p:cNvPr>
+              <p:cNvSpPr txBox="1"/>
+              <p:nvPr/>
+            </p:nvSpPr>
+            <p:spPr>
+              <a:xfrm>
+                <a:off x="6093275" y="5103500"/>
+                <a:ext cx="6000748" cy="414024"/>
+              </a:xfrm>
+              <a:prstGeom prst="rect">
+                <a:avLst/>
+              </a:prstGeom>
+              <a:noFill/>
+            </p:spPr>
+            <p:txBody>
+              <a:bodyPr wrap="square" rtlCol="0">
+                <a:spAutoFit/>
+              </a:bodyPr>
+              <a:lstStyle/>
               <a:p>
                 <a:pPr algn="just">
                   <a:lnSpc>
@@ -5149,11 +4737,6 @@
                   <a:rPr lang="en-US" altLang="ko-KR" sz="1600" dirty="0"/>
                   <a:t>-</a:t>
                 </a:r>
-                <a:r>
-                  <a:rPr lang="ko-KR" altLang="en-US" sz="1600" dirty="0"/>
-                  <a:t>키트 판매 시 생기는 순이익</a:t>
-                </a:r>
-                <a:endParaRPr lang="en-US" altLang="ko-KR" sz="1600" dirty="0"/>
               </a:p>
             </p:txBody>
           </p:sp>
@@ -5173,7 +4756,7 @@
           <p:spPr>
             <a:xfrm>
               <a:off x="7253770" y="1009649"/>
-              <a:ext cx="2400300" cy="1522020"/>
+              <a:ext cx="2400300" cy="414024"/>
             </a:xfrm>
             <a:prstGeom prst="rect">
               <a:avLst/>
@@ -5195,55 +4778,92 @@
                 <a:rPr lang="en-US" altLang="ko-KR" sz="1600" dirty="0"/>
                 <a:t>-</a:t>
               </a:r>
-              <a:r>
-                <a:rPr lang="ko-KR" altLang="en-US" sz="1600" dirty="0"/>
-                <a:t>움직임 퍼포먼스</a:t>
-              </a:r>
-              <a:endParaRPr lang="en-US" altLang="ko-KR" sz="1600" dirty="0"/>
-            </a:p>
-            <a:p>
-              <a:pPr algn="just">
-                <a:lnSpc>
-                  <a:spcPct val="150000"/>
-                </a:lnSpc>
-              </a:pPr>
-              <a:r>
-                <a:rPr lang="en-US" altLang="ko-KR" sz="1600" dirty="0"/>
-                <a:t>-</a:t>
-              </a:r>
-              <a:r>
-                <a:rPr lang="ko-KR" altLang="en-US" sz="1600" dirty="0"/>
-                <a:t>소리</a:t>
-              </a:r>
-              <a:r>
-                <a:rPr lang="en-US" altLang="ko-KR" sz="1600" dirty="0"/>
-                <a:t> </a:t>
-              </a:r>
-              <a:r>
-                <a:rPr lang="ko-KR" altLang="en-US" sz="1600" dirty="0"/>
-                <a:t>퍼포먼스</a:t>
-              </a:r>
-              <a:endParaRPr lang="en-US" altLang="ko-KR" sz="1600" dirty="0"/>
-            </a:p>
-            <a:p>
-              <a:pPr algn="just">
-                <a:lnSpc>
-                  <a:spcPct val="150000"/>
-                </a:lnSpc>
-              </a:pPr>
-              <a:r>
-                <a:rPr lang="en-US" altLang="ko-KR" sz="1600" dirty="0"/>
-                <a:t>-</a:t>
-              </a:r>
-              <a:r>
-                <a:rPr lang="ko-KR" altLang="en-US" sz="1600" dirty="0"/>
-                <a:t>소프트웨어와 하드웨어의 융합키트</a:t>
-              </a:r>
-              <a:endParaRPr lang="en-US" altLang="ko-KR" sz="1600" dirty="0"/>
             </a:p>
           </p:txBody>
         </p:sp>
       </p:grpSp>
+      <p:sp>
+        <p:nvSpPr>
+          <p:cNvPr id="39" name="TextBox 38">
+            <a:extLst>
+              <a:ext uri="{FF2B5EF4-FFF2-40B4-BE49-F238E27FC236}">
+                <a16:creationId xmlns:a16="http://schemas.microsoft.com/office/drawing/2014/main" id="{7B162415-9DFC-416B-A33B-8C5218ED64AF}"/>
+              </a:ext>
+            </a:extLst>
+          </p:cNvPr>
+          <p:cNvSpPr txBox="1"/>
+          <p:nvPr/>
+        </p:nvSpPr>
+        <p:spPr>
+          <a:xfrm>
+            <a:off x="87761" y="3129520"/>
+            <a:ext cx="1189749" cy="369332"/>
+          </a:xfrm>
+          <a:prstGeom prst="rect">
+            <a:avLst/>
+          </a:prstGeom>
+          <a:noFill/>
+        </p:spPr>
+        <p:txBody>
+          <a:bodyPr wrap="none" rtlCol="0">
+            <a:spAutoFit/>
+          </a:bodyPr>
+          <a:lstStyle/>
+          <a:p>
+            <a:pPr algn="just"/>
+            <a:r>
+              <a:rPr lang="ko-KR" altLang="en-US" b="1"/>
+              <a:t>대응 방안</a:t>
+            </a:r>
+            <a:endParaRPr lang="ko-KR" altLang="en-US" b="1" dirty="0"/>
+          </a:p>
+        </p:txBody>
+      </p:sp>
+      <p:sp>
+        <p:nvSpPr>
+          <p:cNvPr id="42" name="TextBox 41">
+            <a:extLst>
+              <a:ext uri="{FF2B5EF4-FFF2-40B4-BE49-F238E27FC236}">
+                <a16:creationId xmlns:a16="http://schemas.microsoft.com/office/drawing/2014/main" id="{BA07CF62-559F-4B19-9413-C6D330BECA40}"/>
+              </a:ext>
+            </a:extLst>
+          </p:cNvPr>
+          <p:cNvSpPr txBox="1"/>
+          <p:nvPr/>
+        </p:nvSpPr>
+        <p:spPr>
+          <a:xfrm>
+            <a:off x="94418" y="3436411"/>
+            <a:ext cx="2400300" cy="414024"/>
+          </a:xfrm>
+          <a:prstGeom prst="rect">
+            <a:avLst/>
+          </a:prstGeom>
+          <a:noFill/>
+        </p:spPr>
+        <p:txBody>
+          <a:bodyPr wrap="square" rtlCol="0">
+            <a:spAutoFit/>
+          </a:bodyPr>
+          <a:lstStyle/>
+          <a:p>
+            <a:pPr algn="just">
+              <a:lnSpc>
+                <a:spcPct val="150000"/>
+              </a:lnSpc>
+            </a:pPr>
+            <a:r>
+              <a:rPr lang="en-US" altLang="ko-KR" sz="1600" dirty="0"/>
+              <a:t>1. </a:t>
+            </a:r>
+            <a:r>
+              <a:rPr lang="ko-KR" altLang="en-US" sz="1600" dirty="0"/>
+              <a:t>배달 음식</a:t>
+            </a:r>
+            <a:endParaRPr lang="en-US" altLang="ko-KR" sz="1600" dirty="0"/>
+          </a:p>
+        </p:txBody>
+      </p:sp>
     </p:spTree>
     <p:extLst>
       <p:ext uri="{BB962C8B-B14F-4D97-AF65-F5344CB8AC3E}">

--- a/린캔버스.pptx
+++ b/린캔버스.pptx
@@ -4778,6 +4778,11 @@
                 <a:rPr lang="en-US" altLang="ko-KR" sz="1600" dirty="0"/>
                 <a:t>-</a:t>
               </a:r>
+              <a:r>
+                <a:rPr lang="ko-KR" altLang="en-US" sz="1600" dirty="0" err="1"/>
+                <a:t>아이엠어셰프</a:t>
+              </a:r>
+              <a:endParaRPr lang="en-US" altLang="ko-KR" sz="1600" dirty="0"/>
             </a:p>
           </p:txBody>
         </p:sp>
